--- a/Service Fabric Intro.pptx
+++ b/Service Fabric Intro.pptx
@@ -13,8 +13,7 @@
     <p:sldId id="261" r:id="rId7"/>
     <p:sldId id="262" r:id="rId8"/>
     <p:sldId id="267" r:id="rId9"/>
-    <p:sldId id="265" r:id="rId10"/>
-    <p:sldId id="264" r:id="rId11"/>
+    <p:sldId id="264" r:id="rId10"/>
   </p:sldIdLst>
   <p:sldSz cx="12192000" cy="6858000"/>
   <p:notesSz cx="6858000" cy="9144000"/>
@@ -282,7 +281,7 @@
           <a:p>
             <a:fld id="{1FECB89E-EC4C-4650-9B83-0E4DDC8B6DFD}" type="datetimeFigureOut">
               <a:rPr lang="en-US" smtClean="0"/>
-              <a:t>11/27/2017</a:t>
+              <a:t>12/4/2017</a:t>
             </a:fld>
             <a:endParaRPr lang="en-US"/>
           </a:p>
@@ -619,7 +618,7 @@
           <a:p>
             <a:fld id="{1FECB89E-EC4C-4650-9B83-0E4DDC8B6DFD}" type="datetimeFigureOut">
               <a:rPr lang="en-US" smtClean="0"/>
-              <a:t>11/27/2017</a:t>
+              <a:t>12/4/2017</a:t>
             </a:fld>
             <a:endParaRPr lang="en-US"/>
           </a:p>
@@ -799,7 +798,7 @@
           <a:p>
             <a:fld id="{1FECB89E-EC4C-4650-9B83-0E4DDC8B6DFD}" type="datetimeFigureOut">
               <a:rPr lang="en-US" smtClean="0"/>
-              <a:t>11/27/2017</a:t>
+              <a:t>12/4/2017</a:t>
             </a:fld>
             <a:endParaRPr lang="en-US"/>
           </a:p>
@@ -987,7 +986,7 @@
           <a:p>
             <a:fld id="{1FECB89E-EC4C-4650-9B83-0E4DDC8B6DFD}" type="datetimeFigureOut">
               <a:rPr lang="en-US" smtClean="0"/>
-              <a:t>11/27/2017</a:t>
+              <a:t>12/4/2017</a:t>
             </a:fld>
             <a:endParaRPr lang="en-US"/>
           </a:p>
@@ -1266,7 +1265,7 @@
           <a:p>
             <a:fld id="{1FECB89E-EC4C-4650-9B83-0E4DDC8B6DFD}" type="datetimeFigureOut">
               <a:rPr lang="en-US" smtClean="0"/>
-              <a:t>11/27/2017</a:t>
+              <a:t>12/4/2017</a:t>
             </a:fld>
             <a:endParaRPr lang="en-US"/>
           </a:p>
@@ -1667,7 +1666,7 @@
           <a:p>
             <a:fld id="{1FECB89E-EC4C-4650-9B83-0E4DDC8B6DFD}" type="datetimeFigureOut">
               <a:rPr lang="en-US" smtClean="0"/>
-              <a:t>11/27/2017</a:t>
+              <a:t>12/4/2017</a:t>
             </a:fld>
             <a:endParaRPr lang="en-US"/>
           </a:p>
@@ -2151,7 +2150,7 @@
           <a:p>
             <a:fld id="{1FECB89E-EC4C-4650-9B83-0E4DDC8B6DFD}" type="datetimeFigureOut">
               <a:rPr lang="en-US" smtClean="0"/>
-              <a:t>11/27/2017</a:t>
+              <a:t>12/4/2017</a:t>
             </a:fld>
             <a:endParaRPr lang="en-US"/>
           </a:p>
@@ -2276,7 +2275,7 @@
           <a:p>
             <a:fld id="{1FECB89E-EC4C-4650-9B83-0E4DDC8B6DFD}" type="datetimeFigureOut">
               <a:rPr lang="en-US" smtClean="0"/>
-              <a:t>11/27/2017</a:t>
+              <a:t>12/4/2017</a:t>
             </a:fld>
             <a:endParaRPr lang="en-US"/>
           </a:p>
@@ -2378,7 +2377,7 @@
           <a:p>
             <a:fld id="{1FECB89E-EC4C-4650-9B83-0E4DDC8B6DFD}" type="datetimeFigureOut">
               <a:rPr lang="en-US" smtClean="0"/>
-              <a:t>11/27/2017</a:t>
+              <a:t>12/4/2017</a:t>
             </a:fld>
             <a:endParaRPr lang="en-US"/>
           </a:p>
@@ -2731,7 +2730,7 @@
           <a:p>
             <a:fld id="{1FECB89E-EC4C-4650-9B83-0E4DDC8B6DFD}" type="datetimeFigureOut">
               <a:rPr lang="en-US" smtClean="0"/>
-              <a:t>11/27/2017</a:t>
+              <a:t>12/4/2017</a:t>
             </a:fld>
             <a:endParaRPr lang="en-US"/>
           </a:p>
@@ -3126,7 +3125,7 @@
           <a:p>
             <a:fld id="{1FECB89E-EC4C-4650-9B83-0E4DDC8B6DFD}" type="datetimeFigureOut">
               <a:rPr lang="en-US" smtClean="0"/>
-              <a:t>11/27/2017</a:t>
+              <a:t>12/4/2017</a:t>
             </a:fld>
             <a:endParaRPr lang="en-US"/>
           </a:p>
@@ -3411,7 +3410,7 @@
           <a:p>
             <a:fld id="{1FECB89E-EC4C-4650-9B83-0E4DDC8B6DFD}" type="datetimeFigureOut">
               <a:rPr lang="en-US" smtClean="0"/>
-              <a:t>11/27/2017</a:t>
+              <a:t>12/4/2017</a:t>
             </a:fld>
             <a:endParaRPr lang="en-US"/>
           </a:p>
@@ -4029,85 +4028,6 @@
 </p:sld>
 </file>
 
-<file path=ppt/slides/slide10.xml><?xml version="1.0" encoding="utf-8"?>
-<p:sld xmlns:a="http://schemas.openxmlformats.org/drawingml/2006/main" xmlns:r="http://schemas.openxmlformats.org/officeDocument/2006/relationships" xmlns:p="http://schemas.openxmlformats.org/presentationml/2006/main">
-  <p:cSld>
-    <p:spTree>
-      <p:nvGrpSpPr>
-        <p:cNvPr id="1" name=""/>
-        <p:cNvGrpSpPr/>
-        <p:nvPr/>
-      </p:nvGrpSpPr>
-      <p:grpSpPr>
-        <a:xfrm>
-          <a:off x="0" y="0"/>
-          <a:ext cx="0" cy="0"/>
-          <a:chOff x="0" y="0"/>
-          <a:chExt cx="0" cy="0"/>
-        </a:xfrm>
-      </p:grpSpPr>
-      <p:sp>
-        <p:nvSpPr>
-          <p:cNvPr id="2" name="Title 1"/>
-          <p:cNvSpPr>
-            <a:spLocks noGrp="1"/>
-          </p:cNvSpPr>
-          <p:nvPr>
-            <p:ph type="ctrTitle"/>
-          </p:nvPr>
-        </p:nvSpPr>
-        <p:spPr/>
-        <p:txBody>
-          <a:bodyPr/>
-          <a:lstStyle/>
-          <a:p>
-            <a:r>
-              <a:rPr lang="fr-FR" dirty="0" smtClean="0"/>
-              <a:t>Merci</a:t>
-            </a:r>
-            <a:endParaRPr lang="en-US" dirty="0"/>
-          </a:p>
-        </p:txBody>
-      </p:sp>
-      <p:sp>
-        <p:nvSpPr>
-          <p:cNvPr id="3" name="Subtitle 2"/>
-          <p:cNvSpPr>
-            <a:spLocks noGrp="1"/>
-          </p:cNvSpPr>
-          <p:nvPr>
-            <p:ph type="subTitle" idx="1"/>
-          </p:nvPr>
-        </p:nvSpPr>
-        <p:spPr/>
-        <p:txBody>
-          <a:bodyPr/>
-          <a:lstStyle/>
-          <a:p>
-            <a:endParaRPr lang="en-US" dirty="0"/>
-          </a:p>
-        </p:txBody>
-      </p:sp>
-    </p:spTree>
-    <p:extLst>
-      <p:ext uri="{BB962C8B-B14F-4D97-AF65-F5344CB8AC3E}">
-        <p14:creationId xmlns:p14="http://schemas.microsoft.com/office/powerpoint/2010/main" val="418907290"/>
-      </p:ext>
-    </p:extLst>
-  </p:cSld>
-  <p:clrMapOvr>
-    <a:masterClrMapping/>
-  </p:clrMapOvr>
-  <p:timing>
-    <p:tnLst>
-      <p:par>
-        <p:cTn id="1" dur="indefinite" restart="never" nodeType="tmRoot"/>
-      </p:par>
-    </p:tnLst>
-  </p:timing>
-</p:sld>
-</file>
-
 <file path=ppt/slides/slide2.xml><?xml version="1.0" encoding="utf-8"?>
 <p:sld xmlns:a="http://schemas.openxmlformats.org/drawingml/2006/main" xmlns:r="http://schemas.openxmlformats.org/officeDocument/2006/relationships" xmlns:p="http://schemas.openxmlformats.org/presentationml/2006/main">
   <p:cSld>
@@ -4309,7 +4229,9 @@
             <a:endParaRPr lang="fr-FR" dirty="0" smtClean="0"/>
           </a:p>
           <a:p>
-            <a:pPr lvl="1"/>
+            <a:pPr marL="530352" lvl="1" indent="0">
+              <a:buNone/>
+            </a:pPr>
             <a:r>
               <a:rPr lang="fr-FR" dirty="0" err="1" smtClean="0"/>
               <a:t>Runtime</a:t>
@@ -4323,7 +4245,11 @@
             <a:pPr lvl="2"/>
             <a:r>
               <a:rPr lang="fr-FR" dirty="0" smtClean="0"/>
-              <a:t>En local (mode </a:t>
+              <a:t>En </a:t>
+            </a:r>
+            <a:r>
+              <a:rPr lang="fr-FR" dirty="0" smtClean="0"/>
+              <a:t>local (mode </a:t>
             </a:r>
             <a:r>
               <a:rPr lang="fr-FR" dirty="0" err="1" smtClean="0"/>
@@ -4544,13 +4470,8 @@
             <a:pPr lvl="3"/>
             <a:r>
               <a:rPr lang="fr-FR" dirty="0" smtClean="0"/>
-              <a:t>Qui ont des </a:t>
-            </a:r>
-            <a:r>
-              <a:rPr lang="fr-FR" dirty="0" smtClean="0"/>
-              <a:t>réplicas</a:t>
-            </a:r>
-            <a:endParaRPr lang="fr-FR" dirty="0" smtClean="0"/>
+              <a:t>Qui ont des réplicas</a:t>
+            </a:r>
           </a:p>
           <a:p>
             <a:pPr lvl="2"/>
@@ -4619,11 +4540,7 @@
           <a:p>
             <a:r>
               <a:rPr lang="fr-FR" dirty="0" smtClean="0"/>
-              <a:t>Types </a:t>
-            </a:r>
-            <a:r>
-              <a:rPr lang="fr-FR" dirty="0" smtClean="0"/>
-              <a:t>de service</a:t>
+              <a:t>Types de service</a:t>
             </a:r>
             <a:endParaRPr lang="en-US" dirty="0"/>
           </a:p>
@@ -4768,11 +4685,7 @@
             </a:r>
             <a:r>
               <a:rPr lang="fr-FR" dirty="0" smtClean="0"/>
-              <a:t> </a:t>
-            </a:r>
-            <a:r>
-              <a:rPr lang="fr-FR" dirty="0" smtClean="0"/>
-              <a:t>Services</a:t>
+              <a:t> Services</a:t>
             </a:r>
             <a:endParaRPr lang="en-US" dirty="0"/>
           </a:p>
@@ -4791,7 +4704,7 @@
         <p:spPr/>
         <p:txBody>
           <a:bodyPr>
-            <a:normAutofit lnSpcReduction="10000"/>
+            <a:normAutofit fontScale="92500" lnSpcReduction="10000"/>
           </a:bodyPr>
           <a:lstStyle/>
           <a:p>
@@ -4803,29 +4716,18 @@
           <a:p>
             <a:r>
               <a:rPr lang="fr-FR" dirty="0" smtClean="0"/>
-              <a:t>Instanciation d’objets plutôt que de </a:t>
-            </a:r>
-            <a:r>
-              <a:rPr lang="fr-FR" dirty="0" err="1" smtClean="0"/>
-              <a:t>process</a:t>
-            </a:r>
-            <a:endParaRPr lang="fr-FR" dirty="0" smtClean="0"/>
-          </a:p>
-          <a:p>
-            <a:r>
-              <a:rPr lang="fr-FR" dirty="0" smtClean="0"/>
-              <a:t>Couche de communication simplifiée</a:t>
+              <a:t>Couche </a:t>
+            </a:r>
+            <a:r>
+              <a:rPr lang="fr-FR" dirty="0" smtClean="0"/>
+              <a:t>de communication simplifiée</a:t>
             </a:r>
           </a:p>
           <a:p>
             <a:pPr lvl="1"/>
             <a:r>
               <a:rPr lang="fr-FR" dirty="0" smtClean="0"/>
-              <a:t>Résolution de nom, </a:t>
-            </a:r>
-            <a:r>
-              <a:rPr lang="fr-FR" dirty="0" err="1" smtClean="0"/>
-              <a:t>stubing</a:t>
+              <a:t>Appel réseau comme une appel de méthode, résolution d’adresse, ré-essai</a:t>
             </a:r>
             <a:endParaRPr lang="fr-FR" dirty="0" smtClean="0"/>
           </a:p>
@@ -4841,6 +4743,13 @@
             <a:endParaRPr lang="fr-FR" dirty="0" smtClean="0"/>
           </a:p>
           <a:p>
+            <a:r>
+              <a:rPr lang="fr-FR" dirty="0" smtClean="0"/>
+              <a:t>64 bits seulement</a:t>
+            </a:r>
+            <a:endParaRPr lang="fr-FR" dirty="0" smtClean="0"/>
+          </a:p>
+          <a:p>
             <a:endParaRPr lang="fr-FR" dirty="0" smtClean="0"/>
           </a:p>
           <a:p>
@@ -4857,13 +4766,12 @@
             <a:pPr lvl="1"/>
             <a:r>
               <a:rPr lang="fr-FR" dirty="0" smtClean="0"/>
-              <a:t>Répliquer sur autant de nœuds qu’on </a:t>
-            </a:r>
-            <a:r>
-              <a:rPr lang="fr-FR" dirty="0" smtClean="0"/>
-              <a:t>veut</a:t>
-            </a:r>
-            <a:endParaRPr lang="fr-FR" dirty="0" smtClean="0"/>
+              <a:t>Répliqué </a:t>
+            </a:r>
+            <a:r>
+              <a:rPr lang="fr-FR" dirty="0" smtClean="0"/>
+              <a:t>sur autant de nœuds qu’on veut</a:t>
+            </a:r>
           </a:p>
         </p:txBody>
       </p:sp>
@@ -4940,7 +4848,7 @@
         <p:spPr/>
         <p:txBody>
           <a:bodyPr>
-            <a:normAutofit fontScale="92500" lnSpcReduction="20000"/>
+            <a:normAutofit fontScale="85000" lnSpcReduction="20000"/>
           </a:bodyPr>
           <a:lstStyle/>
           <a:p>
@@ -4973,7 +4881,11 @@
             <a:pPr lvl="1"/>
             <a:r>
               <a:rPr lang="fr-FR" dirty="0" smtClean="0"/>
-              <a:t>1 primaire actif par partition</a:t>
+              <a:t>1 </a:t>
+            </a:r>
+            <a:r>
+              <a:rPr lang="fr-FR" dirty="0" smtClean="0"/>
+              <a:t>primaire actif par partition</a:t>
             </a:r>
           </a:p>
           <a:p>
@@ -4987,11 +4899,7 @@
             <a:pPr lvl="1"/>
             <a:r>
               <a:rPr lang="fr-FR" dirty="0" smtClean="0"/>
-              <a:t>Ecriture sur </a:t>
-            </a:r>
-            <a:r>
-              <a:rPr lang="fr-FR" dirty="0" smtClean="0"/>
-              <a:t>disque</a:t>
+              <a:t>Ecriture sur disque</a:t>
             </a:r>
           </a:p>
           <a:p>
@@ -5005,28 +4913,46 @@
               <a:rPr lang="fr-FR" dirty="0" smtClean="0"/>
               <a:t>Acteur</a:t>
             </a:r>
+          </a:p>
+          <a:p>
+            <a:pPr lvl="1"/>
+            <a:r>
+              <a:rPr lang="fr-FR" dirty="0" smtClean="0"/>
+              <a:t>Cycle de vie simplifié (pas vraiment de création, destruction)</a:t>
+            </a:r>
+          </a:p>
+          <a:p>
+            <a:pPr lvl="1"/>
+            <a:r>
+              <a:rPr lang="fr-FR" dirty="0" smtClean="0"/>
+              <a:t>Avec (petit) état</a:t>
+            </a:r>
+          </a:p>
+          <a:p>
+            <a:pPr lvl="1"/>
+            <a:r>
+              <a:rPr lang="fr-FR" dirty="0" smtClean="0"/>
+              <a:t>Accès séquentiels (« mono-thread </a:t>
+            </a:r>
+            <a:r>
+              <a:rPr lang="fr-FR" dirty="0" smtClean="0"/>
+              <a:t>»)</a:t>
+            </a:r>
+          </a:p>
+          <a:p>
+            <a:pPr lvl="1"/>
+            <a:r>
+              <a:rPr lang="fr-FR" dirty="0" smtClean="0"/>
+              <a:t>Des instances d’objets plutôt que des </a:t>
+            </a:r>
+            <a:r>
+              <a:rPr lang="fr-FR" dirty="0" err="1" smtClean="0"/>
+              <a:t>process</a:t>
+            </a:r>
             <a:endParaRPr lang="fr-FR" dirty="0" smtClean="0"/>
           </a:p>
           <a:p>
             <a:pPr lvl="1"/>
-            <a:r>
-              <a:rPr lang="fr-FR" dirty="0" smtClean="0"/>
-              <a:t>Cycle de vie simplifié (pas vraiment de création, destruction)</a:t>
-            </a:r>
-          </a:p>
-          <a:p>
-            <a:pPr lvl="1"/>
-            <a:r>
-              <a:rPr lang="fr-FR" dirty="0" smtClean="0"/>
-              <a:t>Avec (petit) état</a:t>
-            </a:r>
-          </a:p>
-          <a:p>
-            <a:pPr lvl="1"/>
-            <a:r>
-              <a:rPr lang="fr-FR" dirty="0" smtClean="0"/>
-              <a:t>Accès séquentiels (« mono-thread »)</a:t>
-            </a:r>
             <a:endParaRPr lang="en-US" dirty="0"/>
           </a:p>
         </p:txBody>
@@ -5159,7 +5085,7 @@
 </file>
 
 <file path=ppt/slides/slide9.xml><?xml version="1.0" encoding="utf-8"?>
-<p:sld xmlns:a="http://schemas.openxmlformats.org/drawingml/2006/main" xmlns:r="http://schemas.openxmlformats.org/officeDocument/2006/relationships" xmlns:p="http://schemas.openxmlformats.org/presentationml/2006/main" show="0">
+<p:sld xmlns:a="http://schemas.openxmlformats.org/drawingml/2006/main" xmlns:r="http://schemas.openxmlformats.org/officeDocument/2006/relationships" xmlns:p="http://schemas.openxmlformats.org/presentationml/2006/main">
   <p:cSld>
     <p:spTree>
       <p:nvGrpSpPr>
@@ -5182,7 +5108,7 @@
             <a:spLocks noGrp="1"/>
           </p:cNvSpPr>
           <p:nvPr>
-            <p:ph type="title"/>
+            <p:ph type="ctrTitle"/>
           </p:nvPr>
         </p:nvSpPr>
         <p:spPr/>
@@ -5192,7 +5118,7 @@
           <a:p>
             <a:r>
               <a:rPr lang="fr-FR" dirty="0" smtClean="0"/>
-              <a:t>Démo</a:t>
+              <a:t>Merci</a:t>
             </a:r>
             <a:endParaRPr lang="en-US" dirty="0"/>
           </a:p>
@@ -5200,123 +5126,33 @@
       </p:sp>
       <p:sp>
         <p:nvSpPr>
-          <p:cNvPr id="3" name="Content Placeholder 2"/>
-          <p:cNvSpPr>
-            <a:spLocks noGrp="1"/>
-          </p:cNvSpPr>
-          <p:nvPr>
-            <p:ph idx="1"/>
+          <p:cNvPr id="3" name="Subtitle 2"/>
+          <p:cNvSpPr>
+            <a:spLocks noGrp="1"/>
+          </p:cNvSpPr>
+          <p:nvPr>
+            <p:ph type="subTitle" idx="1"/>
           </p:nvPr>
         </p:nvSpPr>
         <p:spPr/>
         <p:txBody>
-          <a:bodyPr>
-            <a:normAutofit/>
-          </a:bodyPr>
+          <a:bodyPr/>
           <a:lstStyle/>
           <a:p>
-            <a:r>
-              <a:rPr lang="fr-FR" dirty="0" smtClean="0"/>
-              <a:t>5 Nœuds</a:t>
-            </a:r>
-          </a:p>
-          <a:p>
-            <a:r>
-              <a:rPr lang="fr-FR" dirty="0" smtClean="0"/>
-              <a:t>2 services</a:t>
-            </a:r>
-          </a:p>
-          <a:p>
-            <a:pPr lvl="1"/>
-            <a:r>
-              <a:rPr lang="fr-FR" dirty="0" smtClean="0"/>
-              <a:t>Service web </a:t>
-            </a:r>
-            <a:r>
-              <a:rPr lang="fr-FR" dirty="0" err="1" smtClean="0"/>
-              <a:t>stateful</a:t>
-            </a:r>
-            <a:r>
-              <a:rPr lang="fr-FR" dirty="0" smtClean="0"/>
-              <a:t> </a:t>
-            </a:r>
-            <a:r>
-              <a:rPr lang="fr-FR" dirty="0"/>
-              <a:t>ASP .net </a:t>
-            </a:r>
-            <a:r>
-              <a:rPr lang="fr-FR" dirty="0" err="1" smtClean="0"/>
-              <a:t>Core</a:t>
-            </a:r>
-            <a:endParaRPr lang="fr-FR" dirty="0" smtClean="0"/>
-          </a:p>
-          <a:p>
-            <a:pPr lvl="2"/>
-            <a:r>
-              <a:rPr lang="fr-FR" dirty="0" smtClean="0"/>
-              <a:t>PUT api/hello/&lt;nom&gt; -&gt; enregistre le nombre d’appel</a:t>
-            </a:r>
-          </a:p>
-          <a:p>
-            <a:pPr lvl="2"/>
-            <a:r>
-              <a:rPr lang="fr-FR" dirty="0" smtClean="0"/>
-              <a:t>2 partitions</a:t>
-            </a:r>
-          </a:p>
-          <a:p>
-            <a:pPr lvl="1"/>
-            <a:r>
-              <a:rPr lang="fr-FR" dirty="0" err="1" smtClean="0"/>
-              <a:t>Guest</a:t>
-            </a:r>
-            <a:r>
-              <a:rPr lang="fr-FR" dirty="0" smtClean="0"/>
-              <a:t> </a:t>
-            </a:r>
-            <a:r>
-              <a:rPr lang="fr-FR" dirty="0" err="1" smtClean="0"/>
-              <a:t>Executable</a:t>
-            </a:r>
-            <a:r>
-              <a:rPr lang="fr-FR" dirty="0" smtClean="0"/>
-              <a:t> C++</a:t>
-            </a:r>
-          </a:p>
-          <a:p>
-            <a:pPr lvl="2"/>
-            <a:r>
-              <a:rPr lang="fr-FR" dirty="0" smtClean="0"/>
-              <a:t>PUT vers le service web avec son PID</a:t>
-            </a:r>
-          </a:p>
-          <a:p>
-            <a:pPr lvl="2"/>
-            <a:r>
-              <a:rPr lang="fr-FR" dirty="0" smtClean="0"/>
-              <a:t>Passe par le reverse proxy</a:t>
-            </a:r>
+            <a:endParaRPr lang="en-US" dirty="0"/>
           </a:p>
         </p:txBody>
       </p:sp>
     </p:spTree>
     <p:extLst>
       <p:ext uri="{BB962C8B-B14F-4D97-AF65-F5344CB8AC3E}">
-        <p14:creationId xmlns:p14="http://schemas.microsoft.com/office/powerpoint/2010/main" val="860388586"/>
+        <p14:creationId xmlns:p14="http://schemas.microsoft.com/office/powerpoint/2010/main" val="418907290"/>
       </p:ext>
     </p:extLst>
   </p:cSld>
   <p:clrMapOvr>
     <a:masterClrMapping/>
   </p:clrMapOvr>
-  <mc:AlternateContent xmlns:mc="http://schemas.openxmlformats.org/markup-compatibility/2006">
-    <mc:Choice xmlns:p14="http://schemas.microsoft.com/office/powerpoint/2010/main" Requires="p14">
-      <p:transition spd="slow" p14:dur="2000"/>
-    </mc:Choice>
-    <mc:Fallback>
-      <p:transition spd="slow"/>
-    </mc:Fallback>
-  </mc:AlternateContent>
   <p:timing>
     <p:tnLst>
       <p:par>

--- a/Service Fabric Intro.pptx
+++ b/Service Fabric Intro.pptx
@@ -281,7 +281,7 @@
           <a:p>
             <a:fld id="{1FECB89E-EC4C-4650-9B83-0E4DDC8B6DFD}" type="datetimeFigureOut">
               <a:rPr lang="en-US" smtClean="0"/>
-              <a:t>12/4/2017</a:t>
+              <a:t>12/9/2017</a:t>
             </a:fld>
             <a:endParaRPr lang="en-US"/>
           </a:p>
@@ -618,7 +618,7 @@
           <a:p>
             <a:fld id="{1FECB89E-EC4C-4650-9B83-0E4DDC8B6DFD}" type="datetimeFigureOut">
               <a:rPr lang="en-US" smtClean="0"/>
-              <a:t>12/4/2017</a:t>
+              <a:t>12/9/2017</a:t>
             </a:fld>
             <a:endParaRPr lang="en-US"/>
           </a:p>
@@ -798,7 +798,7 @@
           <a:p>
             <a:fld id="{1FECB89E-EC4C-4650-9B83-0E4DDC8B6DFD}" type="datetimeFigureOut">
               <a:rPr lang="en-US" smtClean="0"/>
-              <a:t>12/4/2017</a:t>
+              <a:t>12/9/2017</a:t>
             </a:fld>
             <a:endParaRPr lang="en-US"/>
           </a:p>
@@ -986,7 +986,7 @@
           <a:p>
             <a:fld id="{1FECB89E-EC4C-4650-9B83-0E4DDC8B6DFD}" type="datetimeFigureOut">
               <a:rPr lang="en-US" smtClean="0"/>
-              <a:t>12/4/2017</a:t>
+              <a:t>12/9/2017</a:t>
             </a:fld>
             <a:endParaRPr lang="en-US"/>
           </a:p>
@@ -1265,7 +1265,7 @@
           <a:p>
             <a:fld id="{1FECB89E-EC4C-4650-9B83-0E4DDC8B6DFD}" type="datetimeFigureOut">
               <a:rPr lang="en-US" smtClean="0"/>
-              <a:t>12/4/2017</a:t>
+              <a:t>12/9/2017</a:t>
             </a:fld>
             <a:endParaRPr lang="en-US"/>
           </a:p>
@@ -1666,7 +1666,7 @@
           <a:p>
             <a:fld id="{1FECB89E-EC4C-4650-9B83-0E4DDC8B6DFD}" type="datetimeFigureOut">
               <a:rPr lang="en-US" smtClean="0"/>
-              <a:t>12/4/2017</a:t>
+              <a:t>12/9/2017</a:t>
             </a:fld>
             <a:endParaRPr lang="en-US"/>
           </a:p>
@@ -2150,7 +2150,7 @@
           <a:p>
             <a:fld id="{1FECB89E-EC4C-4650-9B83-0E4DDC8B6DFD}" type="datetimeFigureOut">
               <a:rPr lang="en-US" smtClean="0"/>
-              <a:t>12/4/2017</a:t>
+              <a:t>12/9/2017</a:t>
             </a:fld>
             <a:endParaRPr lang="en-US"/>
           </a:p>
@@ -2275,7 +2275,7 @@
           <a:p>
             <a:fld id="{1FECB89E-EC4C-4650-9B83-0E4DDC8B6DFD}" type="datetimeFigureOut">
               <a:rPr lang="en-US" smtClean="0"/>
-              <a:t>12/4/2017</a:t>
+              <a:t>12/9/2017</a:t>
             </a:fld>
             <a:endParaRPr lang="en-US"/>
           </a:p>
@@ -2377,7 +2377,7 @@
           <a:p>
             <a:fld id="{1FECB89E-EC4C-4650-9B83-0E4DDC8B6DFD}" type="datetimeFigureOut">
               <a:rPr lang="en-US" smtClean="0"/>
-              <a:t>12/4/2017</a:t>
+              <a:t>12/9/2017</a:t>
             </a:fld>
             <a:endParaRPr lang="en-US"/>
           </a:p>
@@ -2730,7 +2730,7 @@
           <a:p>
             <a:fld id="{1FECB89E-EC4C-4650-9B83-0E4DDC8B6DFD}" type="datetimeFigureOut">
               <a:rPr lang="en-US" smtClean="0"/>
-              <a:t>12/4/2017</a:t>
+              <a:t>12/9/2017</a:t>
             </a:fld>
             <a:endParaRPr lang="en-US"/>
           </a:p>
@@ -3125,7 +3125,7 @@
           <a:p>
             <a:fld id="{1FECB89E-EC4C-4650-9B83-0E4DDC8B6DFD}" type="datetimeFigureOut">
               <a:rPr lang="en-US" smtClean="0"/>
-              <a:t>12/4/2017</a:t>
+              <a:t>12/9/2017</a:t>
             </a:fld>
             <a:endParaRPr lang="en-US"/>
           </a:p>
@@ -3410,7 +3410,7 @@
           <a:p>
             <a:fld id="{1FECB89E-EC4C-4650-9B83-0E4DDC8B6DFD}" type="datetimeFigureOut">
               <a:rPr lang="en-US" smtClean="0"/>
-              <a:t>12/4/2017</a:t>
+              <a:t>12/9/2017</a:t>
             </a:fld>
             <a:endParaRPr lang="en-US"/>
           </a:p>
@@ -4245,11 +4245,7 @@
             <a:pPr lvl="2"/>
             <a:r>
               <a:rPr lang="fr-FR" dirty="0" smtClean="0"/>
-              <a:t>En </a:t>
-            </a:r>
-            <a:r>
-              <a:rPr lang="fr-FR" dirty="0" smtClean="0"/>
-              <a:t>local (mode </a:t>
+              <a:t>En local (mode </a:t>
             </a:r>
             <a:r>
               <a:rPr lang="fr-FR" dirty="0" err="1" smtClean="0"/>
@@ -4408,7 +4404,7 @@
         <p:spPr/>
         <p:txBody>
           <a:bodyPr>
-            <a:normAutofit fontScale="85000" lnSpcReduction="20000"/>
+            <a:normAutofit lnSpcReduction="10000"/>
           </a:bodyPr>
           <a:lstStyle/>
           <a:p>
@@ -4442,43 +4438,46 @@
           <a:p>
             <a:r>
               <a:rPr lang="fr-FR" dirty="0" smtClean="0"/>
-              <a:t>Des applications types</a:t>
+              <a:t>Des </a:t>
+            </a:r>
+            <a:r>
+              <a:rPr lang="fr-FR" dirty="0" smtClean="0"/>
+              <a:t>application types</a:t>
             </a:r>
           </a:p>
           <a:p>
             <a:pPr lvl="1"/>
             <a:r>
               <a:rPr lang="fr-FR" dirty="0" smtClean="0"/>
-              <a:t>Instanciés en « applications nommés » (statiquement ou dynamiquement)</a:t>
-            </a:r>
+              <a:t>Composées de service types</a:t>
+            </a:r>
+          </a:p>
+          <a:p>
+            <a:pPr lvl="2"/>
+            <a:r>
+              <a:rPr lang="fr-FR" dirty="0" err="1" smtClean="0"/>
+              <a:t>Partitionnable</a:t>
+            </a:r>
+            <a:r>
+              <a:rPr lang="fr-FR" dirty="0" smtClean="0"/>
+              <a:t>, répliqués</a:t>
+            </a:r>
+            <a:endParaRPr lang="fr-FR" dirty="0" smtClean="0"/>
           </a:p>
           <a:p>
             <a:pPr lvl="1"/>
             <a:r>
               <a:rPr lang="fr-FR" dirty="0" smtClean="0"/>
-              <a:t>Contenant des services types</a:t>
+              <a:t>Instanciés par configuration ou dynamiquement</a:t>
             </a:r>
           </a:p>
           <a:p>
             <a:pPr lvl="2"/>
             <a:r>
               <a:rPr lang="fr-FR" dirty="0" smtClean="0"/>
-              <a:t>Instanciés en service « nommés » (statiquement ou dynamiquement)</a:t>
-            </a:r>
-          </a:p>
-          <a:p>
-            <a:pPr lvl="3"/>
-            <a:r>
-              <a:rPr lang="fr-FR" dirty="0" smtClean="0"/>
-              <a:t>Qui ont des réplicas</a:t>
-            </a:r>
-          </a:p>
-          <a:p>
-            <a:pPr lvl="2"/>
-            <a:r>
-              <a:rPr lang="fr-FR" dirty="0" smtClean="0"/>
-              <a:t>Partitionné (statiquement)</a:t>
-            </a:r>
+              <a:t>Sauf les partitions</a:t>
+            </a:r>
+            <a:endParaRPr lang="fr-FR" dirty="0" smtClean="0"/>
           </a:p>
           <a:p>
             <a:pPr lvl="1"/>
@@ -4496,6 +4495,14 @@
   <p:clrMapOvr>
     <a:masterClrMapping/>
   </p:clrMapOvr>
+  <mc:AlternateContent xmlns:mc="http://schemas.openxmlformats.org/markup-compatibility/2006">
+    <mc:Choice xmlns:p14="http://schemas.microsoft.com/office/powerpoint/2010/main" Requires="p14">
+      <p:transition spd="slow" p14:dur="2000"/>
+    </mc:Choice>
+    <mc:Fallback>
+      <p:transition spd="slow"/>
+    </mc:Fallback>
+  </mc:AlternateContent>
   <p:timing>
     <p:tnLst>
       <p:par>
@@ -4565,6 +4572,18 @@
               <a:rPr lang="fr-FR" dirty="0" smtClean="0"/>
               <a:t>Container</a:t>
             </a:r>
+          </a:p>
+          <a:p>
+            <a:pPr lvl="1"/>
+            <a:r>
+              <a:rPr lang="fr-FR" dirty="0" smtClean="0"/>
+              <a:t>Windows </a:t>
+            </a:r>
+            <a:r>
+              <a:rPr lang="fr-FR" smtClean="0"/>
+              <a:t>et Docker</a:t>
+            </a:r>
+            <a:endParaRPr lang="fr-FR" dirty="0" smtClean="0"/>
           </a:p>
           <a:p>
             <a:pPr lvl="1"/>
@@ -4716,12 +4735,17 @@
           <a:p>
             <a:r>
               <a:rPr lang="fr-FR" dirty="0" smtClean="0"/>
-              <a:t>Couche </a:t>
-            </a:r>
-            <a:r>
-              <a:rPr lang="fr-FR" dirty="0" smtClean="0"/>
-              <a:t>de communication simplifiée</a:t>
-            </a:r>
+              <a:t>Couche de communication </a:t>
+            </a:r>
+            <a:r>
+              <a:rPr lang="fr-FR" dirty="0" smtClean="0"/>
+              <a:t>simplifiée : Service </a:t>
+            </a:r>
+            <a:r>
+              <a:rPr lang="fr-FR" dirty="0" err="1" smtClean="0"/>
+              <a:t>Remoting</a:t>
+            </a:r>
+            <a:endParaRPr lang="fr-FR" dirty="0" smtClean="0"/>
           </a:p>
           <a:p>
             <a:pPr lvl="1"/>
@@ -4729,7 +4753,6 @@
               <a:rPr lang="fr-FR" dirty="0" smtClean="0"/>
               <a:t>Appel réseau comme une appel de méthode, résolution d’adresse, ré-essai</a:t>
             </a:r>
-            <a:endParaRPr lang="fr-FR" dirty="0" smtClean="0"/>
           </a:p>
           <a:p>
             <a:r>
@@ -4747,7 +4770,6 @@
               <a:rPr lang="fr-FR" dirty="0" smtClean="0"/>
               <a:t>64 bits seulement</a:t>
             </a:r>
-            <a:endParaRPr lang="fr-FR" dirty="0" smtClean="0"/>
           </a:p>
           <a:p>
             <a:endParaRPr lang="fr-FR" dirty="0" smtClean="0"/>
@@ -4766,11 +4788,11 @@
             <a:pPr lvl="1"/>
             <a:r>
               <a:rPr lang="fr-FR" dirty="0" smtClean="0"/>
-              <a:t>Répliqué </a:t>
-            </a:r>
-            <a:r>
-              <a:rPr lang="fr-FR" dirty="0" smtClean="0"/>
-              <a:t>sur autant de nœuds qu’on veut</a:t>
+              <a:t>Peut </a:t>
+            </a:r>
+            <a:r>
+              <a:rPr lang="fr-FR" dirty="0" smtClean="0"/>
+              <a:t>avoir un état externe</a:t>
             </a:r>
           </a:p>
         </p:txBody>
@@ -4881,11 +4903,7 @@
             <a:pPr lvl="1"/>
             <a:r>
               <a:rPr lang="fr-FR" dirty="0" smtClean="0"/>
-              <a:t>1 </a:t>
-            </a:r>
-            <a:r>
-              <a:rPr lang="fr-FR" dirty="0" smtClean="0"/>
-              <a:t>primaire actif par partition</a:t>
+              <a:t>1 primaire actif par partition</a:t>
             </a:r>
           </a:p>
           <a:p>
@@ -4899,7 +4917,7 @@
             <a:pPr lvl="1"/>
             <a:r>
               <a:rPr lang="fr-FR" dirty="0" smtClean="0"/>
-              <a:t>Ecriture sur disque</a:t>
+              <a:t>Ecriture sur disque, transaction</a:t>
             </a:r>
           </a:p>
           <a:p>
@@ -4932,11 +4950,7 @@
             <a:pPr lvl="1"/>
             <a:r>
               <a:rPr lang="fr-FR" dirty="0" smtClean="0"/>
-              <a:t>Accès séquentiels (« mono-thread </a:t>
-            </a:r>
-            <a:r>
-              <a:rPr lang="fr-FR" dirty="0" smtClean="0"/>
-              <a:t>»)</a:t>
+              <a:t>Accès séquentiels (« mono-thread »)</a:t>
             </a:r>
           </a:p>
           <a:p>

--- a/Service Fabric Intro.pptx
+++ b/Service Fabric Intro.pptx
@@ -8,12 +8,11 @@
     <p:sldId id="256" r:id="rId2"/>
     <p:sldId id="257" r:id="rId3"/>
     <p:sldId id="258" r:id="rId4"/>
-    <p:sldId id="259" r:id="rId5"/>
-    <p:sldId id="260" r:id="rId6"/>
-    <p:sldId id="261" r:id="rId7"/>
-    <p:sldId id="262" r:id="rId8"/>
-    <p:sldId id="267" r:id="rId9"/>
-    <p:sldId id="264" r:id="rId10"/>
+    <p:sldId id="260" r:id="rId5"/>
+    <p:sldId id="261" r:id="rId6"/>
+    <p:sldId id="262" r:id="rId7"/>
+    <p:sldId id="267" r:id="rId8"/>
+    <p:sldId id="264" r:id="rId9"/>
   </p:sldIdLst>
   <p:sldSz cx="12192000" cy="6858000"/>
   <p:notesSz cx="6858000" cy="9144000"/>
@@ -281,7 +280,7 @@
           <a:p>
             <a:fld id="{1FECB89E-EC4C-4650-9B83-0E4DDC8B6DFD}" type="datetimeFigureOut">
               <a:rPr lang="en-US" smtClean="0"/>
-              <a:t>12/9/2017</a:t>
+              <a:t>12/11/2017</a:t>
             </a:fld>
             <a:endParaRPr lang="en-US"/>
           </a:p>
@@ -618,7 +617,7 @@
           <a:p>
             <a:fld id="{1FECB89E-EC4C-4650-9B83-0E4DDC8B6DFD}" type="datetimeFigureOut">
               <a:rPr lang="en-US" smtClean="0"/>
-              <a:t>12/9/2017</a:t>
+              <a:t>12/11/2017</a:t>
             </a:fld>
             <a:endParaRPr lang="en-US"/>
           </a:p>
@@ -798,7 +797,7 @@
           <a:p>
             <a:fld id="{1FECB89E-EC4C-4650-9B83-0E4DDC8B6DFD}" type="datetimeFigureOut">
               <a:rPr lang="en-US" smtClean="0"/>
-              <a:t>12/9/2017</a:t>
+              <a:t>12/11/2017</a:t>
             </a:fld>
             <a:endParaRPr lang="en-US"/>
           </a:p>
@@ -986,7 +985,7 @@
           <a:p>
             <a:fld id="{1FECB89E-EC4C-4650-9B83-0E4DDC8B6DFD}" type="datetimeFigureOut">
               <a:rPr lang="en-US" smtClean="0"/>
-              <a:t>12/9/2017</a:t>
+              <a:t>12/11/2017</a:t>
             </a:fld>
             <a:endParaRPr lang="en-US"/>
           </a:p>
@@ -1265,7 +1264,7 @@
           <a:p>
             <a:fld id="{1FECB89E-EC4C-4650-9B83-0E4DDC8B6DFD}" type="datetimeFigureOut">
               <a:rPr lang="en-US" smtClean="0"/>
-              <a:t>12/9/2017</a:t>
+              <a:t>12/11/2017</a:t>
             </a:fld>
             <a:endParaRPr lang="en-US"/>
           </a:p>
@@ -1666,7 +1665,7 @@
           <a:p>
             <a:fld id="{1FECB89E-EC4C-4650-9B83-0E4DDC8B6DFD}" type="datetimeFigureOut">
               <a:rPr lang="en-US" smtClean="0"/>
-              <a:t>12/9/2017</a:t>
+              <a:t>12/11/2017</a:t>
             </a:fld>
             <a:endParaRPr lang="en-US"/>
           </a:p>
@@ -2150,7 +2149,7 @@
           <a:p>
             <a:fld id="{1FECB89E-EC4C-4650-9B83-0E4DDC8B6DFD}" type="datetimeFigureOut">
               <a:rPr lang="en-US" smtClean="0"/>
-              <a:t>12/9/2017</a:t>
+              <a:t>12/11/2017</a:t>
             </a:fld>
             <a:endParaRPr lang="en-US"/>
           </a:p>
@@ -2275,7 +2274,7 @@
           <a:p>
             <a:fld id="{1FECB89E-EC4C-4650-9B83-0E4DDC8B6DFD}" type="datetimeFigureOut">
               <a:rPr lang="en-US" smtClean="0"/>
-              <a:t>12/9/2017</a:t>
+              <a:t>12/11/2017</a:t>
             </a:fld>
             <a:endParaRPr lang="en-US"/>
           </a:p>
@@ -2377,7 +2376,7 @@
           <a:p>
             <a:fld id="{1FECB89E-EC4C-4650-9B83-0E4DDC8B6DFD}" type="datetimeFigureOut">
               <a:rPr lang="en-US" smtClean="0"/>
-              <a:t>12/9/2017</a:t>
+              <a:t>12/11/2017</a:t>
             </a:fld>
             <a:endParaRPr lang="en-US"/>
           </a:p>
@@ -2730,7 +2729,7 @@
           <a:p>
             <a:fld id="{1FECB89E-EC4C-4650-9B83-0E4DDC8B6DFD}" type="datetimeFigureOut">
               <a:rPr lang="en-US" smtClean="0"/>
-              <a:t>12/9/2017</a:t>
+              <a:t>12/11/2017</a:t>
             </a:fld>
             <a:endParaRPr lang="en-US"/>
           </a:p>
@@ -3125,7 +3124,7 @@
           <a:p>
             <a:fld id="{1FECB89E-EC4C-4650-9B83-0E4DDC8B6DFD}" type="datetimeFigureOut">
               <a:rPr lang="en-US" smtClean="0"/>
-              <a:t>12/9/2017</a:t>
+              <a:t>12/11/2017</a:t>
             </a:fld>
             <a:endParaRPr lang="en-US"/>
           </a:p>
@@ -3410,7 +3409,7 @@
           <a:p>
             <a:fld id="{1FECB89E-EC4C-4650-9B83-0E4DDC8B6DFD}" type="datetimeFigureOut">
               <a:rPr lang="en-US" smtClean="0"/>
-              <a:t>12/9/2017</a:t>
+              <a:t>12/11/2017</a:t>
             </a:fld>
             <a:endParaRPr lang="en-US"/>
           </a:p>
@@ -4095,8 +4094,32 @@
             </a:r>
             <a:r>
               <a:rPr lang="fr-FR" dirty="0" smtClean="0"/>
-              <a:t>xécution et d’orchestration de micro-services</a:t>
-            </a:r>
+              <a:t>xécution et d’orchestration de </a:t>
+            </a:r>
+            <a:r>
+              <a:rPr lang="fr-FR" dirty="0" smtClean="0"/>
+              <a:t>micro-services</a:t>
+            </a:r>
+          </a:p>
+          <a:p>
+            <a:pPr lvl="1"/>
+            <a:r>
+              <a:rPr lang="fr-FR" dirty="0" smtClean="0"/>
+              <a:t>Disponibilité, </a:t>
+            </a:r>
+            <a:r>
+              <a:rPr lang="fr-FR" dirty="0" err="1" smtClean="0"/>
+              <a:t>scalabilité</a:t>
+            </a:r>
+            <a:r>
+              <a:rPr lang="fr-FR" dirty="0" smtClean="0"/>
+              <a:t>, mise-à-jour </a:t>
+            </a:r>
+            <a:r>
+              <a:rPr lang="fr-FR" smtClean="0"/>
+              <a:t>à chaud</a:t>
+            </a:r>
+            <a:endParaRPr lang="fr-FR" dirty="0" smtClean="0"/>
           </a:p>
           <a:p>
             <a:endParaRPr lang="fr-FR" dirty="0"/>
@@ -4123,7 +4146,15 @@
             </a:r>
             <a:r>
               <a:rPr lang="fr-FR" dirty="0" smtClean="0"/>
-              <a:t>, Document DB, Bing Cortana, …</a:t>
+              <a:t>, Document DB, </a:t>
+            </a:r>
+            <a:r>
+              <a:rPr lang="fr-FR" dirty="0" smtClean="0"/>
+              <a:t>Bing, </a:t>
+            </a:r>
+            <a:r>
+              <a:rPr lang="fr-FR" dirty="0" smtClean="0"/>
+              <a:t>Cortana, …</a:t>
             </a:r>
           </a:p>
           <a:p>
@@ -4377,132 +4408,111 @@
           <a:p>
             <a:r>
               <a:rPr lang="fr-FR" dirty="0" smtClean="0"/>
-              <a:t>Structure d’un cluster Service </a:t>
-            </a:r>
-            <a:r>
-              <a:rPr lang="fr-FR" dirty="0" err="1"/>
-              <a:t>F</a:t>
-            </a:r>
+              <a:t>Types de service</a:t>
+            </a:r>
+            <a:endParaRPr lang="en-US" dirty="0"/>
+          </a:p>
+        </p:txBody>
+      </p:sp>
+      <p:sp>
+        <p:nvSpPr>
+          <p:cNvPr id="3" name="Content Placeholder 2"/>
+          <p:cNvSpPr>
+            <a:spLocks noGrp="1"/>
+          </p:cNvSpPr>
+          <p:nvPr>
+            <p:ph idx="1"/>
+          </p:nvPr>
+        </p:nvSpPr>
+        <p:spPr/>
+        <p:txBody>
+          <a:bodyPr/>
+          <a:lstStyle/>
+          <a:p>
+            <a:r>
+              <a:rPr lang="fr-FR" dirty="0" smtClean="0"/>
+              <a:t>Container</a:t>
+            </a:r>
+          </a:p>
+          <a:p>
+            <a:pPr lvl="1"/>
+            <a:r>
+              <a:rPr lang="fr-FR" dirty="0" smtClean="0"/>
+              <a:t>Windows </a:t>
+            </a:r>
+            <a:r>
+              <a:rPr lang="fr-FR" smtClean="0"/>
+              <a:t>et Docker</a:t>
+            </a:r>
+            <a:endParaRPr lang="fr-FR" dirty="0" smtClean="0"/>
+          </a:p>
+          <a:p>
+            <a:pPr lvl="1"/>
+            <a:endParaRPr lang="en-US" dirty="0" smtClean="0"/>
+          </a:p>
+          <a:p>
             <a:r>
               <a:rPr lang="fr-FR" dirty="0" err="1" smtClean="0"/>
-              <a:t>abric</a:t>
-            </a:r>
-            <a:endParaRPr lang="en-US" dirty="0"/>
-          </a:p>
-        </p:txBody>
-      </p:sp>
-      <p:sp>
-        <p:nvSpPr>
-          <p:cNvPr id="3" name="Content Placeholder 2"/>
-          <p:cNvSpPr>
-            <a:spLocks noGrp="1"/>
-          </p:cNvSpPr>
-          <p:nvPr>
-            <p:ph idx="1"/>
-          </p:nvPr>
-        </p:nvSpPr>
-        <p:spPr/>
-        <p:txBody>
-          <a:bodyPr>
-            <a:normAutofit lnSpcReduction="10000"/>
-          </a:bodyPr>
-          <a:lstStyle/>
-          <a:p>
-            <a:r>
-              <a:rPr lang="fr-FR" dirty="0" smtClean="0"/>
-              <a:t>Des nœuds</a:t>
-            </a:r>
-          </a:p>
-          <a:p>
-            <a:r>
-              <a:rPr lang="fr-FR" dirty="0" smtClean="0"/>
-              <a:t>Des services systèmes</a:t>
-            </a:r>
+              <a:t>Guest</a:t>
+            </a:r>
+            <a:r>
+              <a:rPr lang="fr-FR" dirty="0" smtClean="0"/>
+              <a:t> </a:t>
+            </a:r>
+            <a:r>
+              <a:rPr lang="fr-FR" dirty="0" err="1" smtClean="0"/>
+              <a:t>Executable</a:t>
+            </a:r>
+            <a:endParaRPr lang="fr-FR" dirty="0" smtClean="0"/>
           </a:p>
           <a:p>
             <a:pPr lvl="1"/>
             <a:r>
               <a:rPr lang="fr-FR" dirty="0" smtClean="0"/>
-              <a:t>Dépôt d’images, annuaire, reverse proxy, monitoring, orchestrateur de mise-à-jour, </a:t>
+              <a:t>N’importe quel exécutable*</a:t>
+            </a:r>
+          </a:p>
+          <a:p>
+            <a:pPr lvl="2"/>
+            <a:r>
+              <a:rPr lang="fr-FR" dirty="0" smtClean="0"/>
+              <a:t>Peut juste être un batch</a:t>
+            </a:r>
+          </a:p>
+          <a:p>
+            <a:pPr lvl="2"/>
+            <a:r>
+              <a:rPr lang="fr-FR" dirty="0" smtClean="0"/>
+              <a:t>Peut communiquer avec le monde comme il veut</a:t>
+            </a:r>
+          </a:p>
+          <a:p>
+            <a:pPr lvl="2"/>
+            <a:r>
+              <a:rPr lang="fr-FR" dirty="0" smtClean="0"/>
+              <a:t>Exe </a:t>
             </a:r>
             <a:r>
               <a:rPr lang="fr-FR" dirty="0" err="1" smtClean="0"/>
-              <a:t>balancing</a:t>
-            </a:r>
-            <a:r>
-              <a:rPr lang="fr-FR" dirty="0" smtClean="0"/>
-              <a:t>, …</a:t>
-            </a:r>
-            <a:endParaRPr lang="fr-FR" dirty="0"/>
-          </a:p>
-          <a:p>
-            <a:r>
-              <a:rPr lang="fr-FR" dirty="0" smtClean="0"/>
-              <a:t>Des </a:t>
-            </a:r>
-            <a:r>
-              <a:rPr lang="fr-FR" dirty="0" smtClean="0"/>
-              <a:t>application types</a:t>
-            </a:r>
-          </a:p>
-          <a:p>
-            <a:pPr lvl="1"/>
-            <a:r>
-              <a:rPr lang="fr-FR" dirty="0" smtClean="0"/>
-              <a:t>Composées de service types</a:t>
-            </a:r>
-          </a:p>
-          <a:p>
-            <a:pPr lvl="2"/>
-            <a:r>
-              <a:rPr lang="fr-FR" dirty="0" err="1" smtClean="0"/>
-              <a:t>Partitionnable</a:t>
-            </a:r>
-            <a:r>
-              <a:rPr lang="fr-FR" dirty="0" smtClean="0"/>
-              <a:t>, répliqués</a:t>
-            </a:r>
-            <a:endParaRPr lang="fr-FR" dirty="0" smtClean="0"/>
-          </a:p>
-          <a:p>
-            <a:pPr lvl="1"/>
-            <a:r>
-              <a:rPr lang="fr-FR" dirty="0" smtClean="0"/>
-              <a:t>Instanciés par configuration ou dynamiquement</a:t>
-            </a:r>
-          </a:p>
-          <a:p>
-            <a:pPr lvl="2"/>
-            <a:r>
-              <a:rPr lang="fr-FR" dirty="0" smtClean="0"/>
-              <a:t>Sauf les partitions</a:t>
-            </a:r>
-            <a:endParaRPr lang="fr-FR" dirty="0" smtClean="0"/>
-          </a:p>
-          <a:p>
-            <a:pPr lvl="1"/>
-            <a:endParaRPr lang="en-US" dirty="0"/>
+              <a:t>watchdog</a:t>
+            </a:r>
+            <a:r>
+              <a:rPr lang="fr-FR" dirty="0" smtClean="0"/>
+              <a:t> optionnel pour intégration plus poussé</a:t>
+            </a:r>
           </a:p>
         </p:txBody>
       </p:sp>
     </p:spTree>
     <p:extLst>
       <p:ext uri="{BB962C8B-B14F-4D97-AF65-F5344CB8AC3E}">
-        <p14:creationId xmlns:p14="http://schemas.microsoft.com/office/powerpoint/2010/main" val="1884590248"/>
+        <p14:creationId xmlns:p14="http://schemas.microsoft.com/office/powerpoint/2010/main" val="3157634280"/>
       </p:ext>
     </p:extLst>
   </p:cSld>
   <p:clrMapOvr>
     <a:masterClrMapping/>
   </p:clrMapOvr>
-  <mc:AlternateContent xmlns:mc="http://schemas.openxmlformats.org/markup-compatibility/2006">
-    <mc:Choice xmlns:p14="http://schemas.microsoft.com/office/powerpoint/2010/main" Requires="p14">
-      <p:transition spd="slow" p14:dur="2000"/>
-    </mc:Choice>
-    <mc:Fallback>
-      <p:transition spd="slow"/>
-    </mc:Fallback>
-  </mc:AlternateContent>
   <p:timing>
     <p:tnLst>
       <p:par>
@@ -4547,7 +4557,15 @@
           <a:p>
             <a:r>
               <a:rPr lang="fr-FR" dirty="0" smtClean="0"/>
-              <a:t>Types de service</a:t>
+              <a:t>SDK: </a:t>
+            </a:r>
+            <a:r>
+              <a:rPr lang="fr-FR" dirty="0" err="1" smtClean="0"/>
+              <a:t>Reliable</a:t>
+            </a:r>
+            <a:r>
+              <a:rPr lang="fr-FR" dirty="0" smtClean="0"/>
+              <a:t> Services</a:t>
             </a:r>
             <a:endParaRPr lang="en-US" dirty="0"/>
           </a:p>
@@ -4565,79 +4583,63 @@
         </p:nvSpPr>
         <p:spPr/>
         <p:txBody>
-          <a:bodyPr/>
+          <a:bodyPr>
+            <a:normAutofit/>
+          </a:bodyPr>
           <a:lstStyle/>
           <a:p>
             <a:r>
               <a:rPr lang="fr-FR" dirty="0" smtClean="0"/>
-              <a:t>Container</a:t>
-            </a:r>
+              <a:t>En C# (ou Java)</a:t>
+            </a:r>
+          </a:p>
+          <a:p>
+            <a:r>
+              <a:rPr lang="fr-FR" dirty="0" smtClean="0"/>
+              <a:t>Couche de communication simplifiée : Service </a:t>
+            </a:r>
+            <a:r>
+              <a:rPr lang="fr-FR" dirty="0" err="1" smtClean="0"/>
+              <a:t>Remoting</a:t>
+            </a:r>
+            <a:endParaRPr lang="fr-FR" dirty="0" smtClean="0"/>
           </a:p>
           <a:p>
             <a:pPr lvl="1"/>
             <a:r>
               <a:rPr lang="fr-FR" dirty="0" smtClean="0"/>
-              <a:t>Windows </a:t>
-            </a:r>
-            <a:r>
-              <a:rPr lang="fr-FR" smtClean="0"/>
-              <a:t>et Docker</a:t>
+              <a:t>Appel réseau comme une appel de méthode, résolution d’adresse, ré-essai</a:t>
+            </a:r>
+          </a:p>
+          <a:p>
+            <a:r>
+              <a:rPr lang="fr-FR" dirty="0" smtClean="0"/>
+              <a:t>Appel facile aux API Service </a:t>
+            </a:r>
+            <a:r>
+              <a:rPr lang="fr-FR" dirty="0" err="1" smtClean="0"/>
+              <a:t>Fabric</a:t>
             </a:r>
             <a:endParaRPr lang="fr-FR" dirty="0" smtClean="0"/>
           </a:p>
           <a:p>
+            <a:endParaRPr lang="fr-FR" dirty="0" smtClean="0"/>
+          </a:p>
+          <a:p>
+            <a:r>
+              <a:rPr lang="fr-FR" dirty="0" err="1" smtClean="0"/>
+              <a:t>Stateless</a:t>
+            </a:r>
+            <a:r>
+              <a:rPr lang="fr-FR" dirty="0" smtClean="0"/>
+              <a:t> Service</a:t>
+            </a:r>
+          </a:p>
+          <a:p>
             <a:pPr lvl="1"/>
-            <a:endParaRPr lang="en-US" dirty="0" smtClean="0"/>
-          </a:p>
-          <a:p>
-            <a:r>
-              <a:rPr lang="fr-FR" dirty="0" err="1" smtClean="0"/>
-              <a:t>Guest</a:t>
-            </a:r>
-            <a:r>
-              <a:rPr lang="fr-FR" dirty="0" smtClean="0"/>
-              <a:t> </a:t>
-            </a:r>
-            <a:r>
-              <a:rPr lang="fr-FR" dirty="0" err="1" smtClean="0"/>
-              <a:t>Executable</a:t>
-            </a:r>
-            <a:endParaRPr lang="fr-FR" dirty="0" smtClean="0"/>
-          </a:p>
-          <a:p>
-            <a:pPr lvl="1"/>
-            <a:r>
-              <a:rPr lang="fr-FR" dirty="0" smtClean="0"/>
-              <a:t>N’importe quel exécutable*</a:t>
-            </a:r>
-          </a:p>
-          <a:p>
-            <a:pPr lvl="2"/>
-            <a:r>
-              <a:rPr lang="fr-FR" dirty="0" smtClean="0"/>
-              <a:t>Peut juste être un batch</a:t>
-            </a:r>
-          </a:p>
-          <a:p>
-            <a:pPr lvl="2"/>
-            <a:r>
-              <a:rPr lang="fr-FR" dirty="0" smtClean="0"/>
-              <a:t>Peut communiquer avec le monde comme il veut</a:t>
-            </a:r>
-          </a:p>
-          <a:p>
-            <a:pPr lvl="2"/>
-            <a:r>
-              <a:rPr lang="fr-FR" dirty="0" smtClean="0"/>
-              <a:t>Exe </a:t>
-            </a:r>
-            <a:r>
-              <a:rPr lang="fr-FR" dirty="0" err="1" smtClean="0"/>
-              <a:t>watchdog</a:t>
-            </a:r>
-            <a:r>
-              <a:rPr lang="fr-FR" dirty="0" smtClean="0"/>
-              <a:t> optionnel pour intégration plus poussé</a:t>
+            <a:r>
+              <a:rPr lang="fr-FR" dirty="0" smtClean="0"/>
+              <a:t>Peut avoir un état externe</a:t>
             </a:r>
           </a:p>
         </p:txBody>
@@ -4645,7 +4647,7 @@
     </p:spTree>
     <p:extLst>
       <p:ext uri="{BB962C8B-B14F-4D97-AF65-F5344CB8AC3E}">
-        <p14:creationId xmlns:p14="http://schemas.microsoft.com/office/powerpoint/2010/main" val="3157634280"/>
+        <p14:creationId xmlns:p14="http://schemas.microsoft.com/office/powerpoint/2010/main" val="3055915309"/>
       </p:ext>
     </p:extLst>
   </p:cSld>
@@ -4696,15 +4698,7 @@
           <a:p>
             <a:r>
               <a:rPr lang="fr-FR" dirty="0" smtClean="0"/>
-              <a:t>SDK: </a:t>
-            </a:r>
-            <a:r>
-              <a:rPr lang="fr-FR" dirty="0" err="1" smtClean="0"/>
-              <a:t>Reliable</a:t>
-            </a:r>
-            <a:r>
-              <a:rPr lang="fr-FR" dirty="0" smtClean="0"/>
-              <a:t> Services</a:t>
+              <a:t>Avec état</a:t>
             </a:r>
             <a:endParaRPr lang="en-US" dirty="0"/>
           </a:p>
@@ -4723,27 +4717,32 @@
         <p:spPr/>
         <p:txBody>
           <a:bodyPr>
-            <a:normAutofit fontScale="92500" lnSpcReduction="10000"/>
+            <a:normAutofit fontScale="92500" lnSpcReduction="20000"/>
           </a:bodyPr>
           <a:lstStyle/>
           <a:p>
             <a:r>
-              <a:rPr lang="fr-FR" dirty="0" smtClean="0"/>
-              <a:t>En C# (ou Java)</a:t>
-            </a:r>
-          </a:p>
-          <a:p>
-            <a:r>
-              <a:rPr lang="fr-FR" dirty="0" smtClean="0"/>
-              <a:t>Couche de communication </a:t>
-            </a:r>
-            <a:r>
-              <a:rPr lang="fr-FR" dirty="0" smtClean="0"/>
-              <a:t>simplifiée : Service </a:t>
-            </a:r>
-            <a:r>
               <a:rPr lang="fr-FR" dirty="0" err="1" smtClean="0"/>
-              <a:t>Remoting</a:t>
+              <a:t>Stateful</a:t>
+            </a:r>
+            <a:r>
+              <a:rPr lang="fr-FR" dirty="0" smtClean="0"/>
+              <a:t> Service</a:t>
+            </a:r>
+          </a:p>
+          <a:p>
+            <a:pPr lvl="1"/>
+            <a:r>
+              <a:rPr lang="fr-FR" dirty="0" err="1" smtClean="0"/>
+              <a:t>ReliableDictionnary</a:t>
+            </a:r>
+            <a:r>
+              <a:rPr lang="fr-FR" dirty="0" smtClean="0"/>
+              <a:t>, </a:t>
+            </a:r>
+            <a:r>
+              <a:rPr lang="fr-FR" dirty="0" err="1" smtClean="0"/>
+              <a:t>ReliableQueue</a:t>
             </a:r>
             <a:endParaRPr lang="fr-FR" dirty="0" smtClean="0"/>
           </a:p>
@@ -4751,56 +4750,67 @@
             <a:pPr lvl="1"/>
             <a:r>
               <a:rPr lang="fr-FR" dirty="0" smtClean="0"/>
-              <a:t>Appel réseau comme une appel de méthode, résolution d’adresse, ré-essai</a:t>
-            </a:r>
-          </a:p>
-          <a:p>
-            <a:r>
-              <a:rPr lang="fr-FR" dirty="0" smtClean="0"/>
-              <a:t>Appel facile aux API Service </a:t>
-            </a:r>
-            <a:r>
-              <a:rPr lang="fr-FR" dirty="0" err="1" smtClean="0"/>
-              <a:t>Fabric</a:t>
-            </a:r>
+              <a:t>1 primaire actif par partition</a:t>
+            </a:r>
+          </a:p>
+          <a:p>
+            <a:pPr lvl="2"/>
+            <a:r>
+              <a:rPr lang="fr-FR" dirty="0" smtClean="0"/>
+              <a:t>Des secondaires pour la réplication, interrogeables en lecture</a:t>
+            </a:r>
+          </a:p>
+          <a:p>
+            <a:pPr lvl="1"/>
+            <a:r>
+              <a:rPr lang="fr-FR" dirty="0" smtClean="0"/>
+              <a:t>Ecriture sur disque, transaction</a:t>
+            </a:r>
+          </a:p>
+          <a:p>
+            <a:pPr marL="530352" lvl="1" indent="0">
+              <a:buNone/>
+            </a:pPr>
             <a:endParaRPr lang="fr-FR" dirty="0" smtClean="0"/>
           </a:p>
           <a:p>
             <a:r>
               <a:rPr lang="fr-FR" dirty="0" smtClean="0"/>
-              <a:t>64 bits seulement</a:t>
-            </a:r>
-          </a:p>
-          <a:p>
-            <a:endParaRPr lang="fr-FR" dirty="0" smtClean="0"/>
-          </a:p>
-          <a:p>
-            <a:r>
-              <a:rPr lang="fr-FR" dirty="0" err="1" smtClean="0"/>
-              <a:t>Stateless</a:t>
-            </a:r>
-            <a:r>
-              <a:rPr lang="fr-FR" dirty="0" smtClean="0"/>
-              <a:t> Service</a:t>
+              <a:t>Acteur</a:t>
             </a:r>
           </a:p>
           <a:p>
             <a:pPr lvl="1"/>
             <a:r>
               <a:rPr lang="fr-FR" dirty="0" smtClean="0"/>
-              <a:t>Peut </a:t>
-            </a:r>
-            <a:r>
-              <a:rPr lang="fr-FR" dirty="0" smtClean="0"/>
-              <a:t>avoir un état externe</a:t>
-            </a:r>
+              <a:t>Cycle de vie simplifié (pas vraiment de création, destruction)</a:t>
+            </a:r>
+          </a:p>
+          <a:p>
+            <a:pPr lvl="1"/>
+            <a:r>
+              <a:rPr lang="fr-FR" dirty="0" smtClean="0"/>
+              <a:t>Avec (petit) état</a:t>
+            </a:r>
+          </a:p>
+          <a:p>
+            <a:pPr lvl="1"/>
+            <a:r>
+              <a:rPr lang="fr-FR" dirty="0" smtClean="0"/>
+              <a:t>Accès séquentiels (« mono-thread </a:t>
+            </a:r>
+            <a:r>
+              <a:rPr lang="fr-FR" dirty="0" smtClean="0"/>
+              <a:t>»)</a:t>
+            </a:r>
+            <a:endParaRPr lang="en-US" dirty="0"/>
           </a:p>
         </p:txBody>
       </p:sp>
     </p:spTree>
     <p:extLst>
       <p:ext uri="{BB962C8B-B14F-4D97-AF65-F5344CB8AC3E}">
-        <p14:creationId xmlns:p14="http://schemas.microsoft.com/office/powerpoint/2010/main" val="3055915309"/>
+        <p14:creationId xmlns:p14="http://schemas.microsoft.com/office/powerpoint/2010/main" val="844771247"/>
       </p:ext>
     </p:extLst>
   </p:cSld>
@@ -4841,180 +4851,6 @@
             <a:spLocks noGrp="1"/>
           </p:cNvSpPr>
           <p:nvPr>
-            <p:ph type="title"/>
-          </p:nvPr>
-        </p:nvSpPr>
-        <p:spPr/>
-        <p:txBody>
-          <a:bodyPr/>
-          <a:lstStyle/>
-          <a:p>
-            <a:r>
-              <a:rPr lang="fr-FR" dirty="0" smtClean="0"/>
-              <a:t>Avec état</a:t>
-            </a:r>
-            <a:endParaRPr lang="en-US" dirty="0"/>
-          </a:p>
-        </p:txBody>
-      </p:sp>
-      <p:sp>
-        <p:nvSpPr>
-          <p:cNvPr id="3" name="Content Placeholder 2"/>
-          <p:cNvSpPr>
-            <a:spLocks noGrp="1"/>
-          </p:cNvSpPr>
-          <p:nvPr>
-            <p:ph idx="1"/>
-          </p:nvPr>
-        </p:nvSpPr>
-        <p:spPr/>
-        <p:txBody>
-          <a:bodyPr>
-            <a:normAutofit fontScale="85000" lnSpcReduction="20000"/>
-          </a:bodyPr>
-          <a:lstStyle/>
-          <a:p>
-            <a:r>
-              <a:rPr lang="fr-FR" dirty="0" err="1" smtClean="0"/>
-              <a:t>Stateful</a:t>
-            </a:r>
-            <a:r>
-              <a:rPr lang="fr-FR" dirty="0" smtClean="0"/>
-              <a:t> Service</a:t>
-            </a:r>
-          </a:p>
-          <a:p>
-            <a:pPr lvl="1"/>
-            <a:r>
-              <a:rPr lang="fr-FR" dirty="0" err="1" smtClean="0"/>
-              <a:t>ReliableDictionnary</a:t>
-            </a:r>
-            <a:r>
-              <a:rPr lang="fr-FR" dirty="0" smtClean="0"/>
-              <a:t>, </a:t>
-            </a:r>
-            <a:r>
-              <a:rPr lang="fr-FR" dirty="0" err="1" smtClean="0"/>
-              <a:t>ReliableQueue</a:t>
-            </a:r>
-            <a:endParaRPr lang="fr-FR" dirty="0" smtClean="0"/>
-          </a:p>
-          <a:p>
-            <a:pPr lvl="1"/>
-            <a:r>
-              <a:rPr lang="fr-FR" dirty="0" smtClean="0"/>
-              <a:t>1 primaire actif par partition</a:t>
-            </a:r>
-          </a:p>
-          <a:p>
-            <a:pPr lvl="2"/>
-            <a:r>
-              <a:rPr lang="fr-FR" dirty="0" smtClean="0"/>
-              <a:t>Des secondaires pour la réplication, interrogeables en lecture</a:t>
-            </a:r>
-          </a:p>
-          <a:p>
-            <a:pPr lvl="1"/>
-            <a:r>
-              <a:rPr lang="fr-FR" dirty="0" smtClean="0"/>
-              <a:t>Ecriture sur disque, transaction</a:t>
-            </a:r>
-          </a:p>
-          <a:p>
-            <a:pPr marL="530352" lvl="1" indent="0">
-              <a:buNone/>
-            </a:pPr>
-            <a:endParaRPr lang="fr-FR" dirty="0" smtClean="0"/>
-          </a:p>
-          <a:p>
-            <a:r>
-              <a:rPr lang="fr-FR" dirty="0" smtClean="0"/>
-              <a:t>Acteur</a:t>
-            </a:r>
-          </a:p>
-          <a:p>
-            <a:pPr lvl="1"/>
-            <a:r>
-              <a:rPr lang="fr-FR" dirty="0" smtClean="0"/>
-              <a:t>Cycle de vie simplifié (pas vraiment de création, destruction)</a:t>
-            </a:r>
-          </a:p>
-          <a:p>
-            <a:pPr lvl="1"/>
-            <a:r>
-              <a:rPr lang="fr-FR" dirty="0" smtClean="0"/>
-              <a:t>Avec (petit) état</a:t>
-            </a:r>
-          </a:p>
-          <a:p>
-            <a:pPr lvl="1"/>
-            <a:r>
-              <a:rPr lang="fr-FR" dirty="0" smtClean="0"/>
-              <a:t>Accès séquentiels (« mono-thread »)</a:t>
-            </a:r>
-          </a:p>
-          <a:p>
-            <a:pPr lvl="1"/>
-            <a:r>
-              <a:rPr lang="fr-FR" dirty="0" smtClean="0"/>
-              <a:t>Des instances d’objets plutôt que des </a:t>
-            </a:r>
-            <a:r>
-              <a:rPr lang="fr-FR" dirty="0" err="1" smtClean="0"/>
-              <a:t>process</a:t>
-            </a:r>
-            <a:endParaRPr lang="fr-FR" dirty="0" smtClean="0"/>
-          </a:p>
-          <a:p>
-            <a:pPr lvl="1"/>
-            <a:endParaRPr lang="en-US" dirty="0"/>
-          </a:p>
-        </p:txBody>
-      </p:sp>
-    </p:spTree>
-    <p:extLst>
-      <p:ext uri="{BB962C8B-B14F-4D97-AF65-F5344CB8AC3E}">
-        <p14:creationId xmlns:p14="http://schemas.microsoft.com/office/powerpoint/2010/main" val="844771247"/>
-      </p:ext>
-    </p:extLst>
-  </p:cSld>
-  <p:clrMapOvr>
-    <a:masterClrMapping/>
-  </p:clrMapOvr>
-  <p:timing>
-    <p:tnLst>
-      <p:par>
-        <p:cTn id="1" dur="indefinite" restart="never" nodeType="tmRoot"/>
-      </p:par>
-    </p:tnLst>
-  </p:timing>
-</p:sld>
-</file>
-
-<file path=ppt/slides/slide8.xml><?xml version="1.0" encoding="utf-8"?>
-<p:sld xmlns:a="http://schemas.openxmlformats.org/drawingml/2006/main" xmlns:r="http://schemas.openxmlformats.org/officeDocument/2006/relationships" xmlns:p="http://schemas.openxmlformats.org/presentationml/2006/main">
-  <p:cSld>
-    <p:spTree>
-      <p:nvGrpSpPr>
-        <p:cNvPr id="1" name=""/>
-        <p:cNvGrpSpPr/>
-        <p:nvPr/>
-      </p:nvGrpSpPr>
-      <p:grpSpPr>
-        <a:xfrm>
-          <a:off x="0" y="0"/>
-          <a:ext cx="0" cy="0"/>
-          <a:chOff x="0" y="0"/>
-          <a:chExt cx="0" cy="0"/>
-        </a:xfrm>
-      </p:grpSpPr>
-      <p:sp>
-        <p:nvSpPr>
-          <p:cNvPr id="2" name="Title 1"/>
-          <p:cNvSpPr>
-            <a:spLocks noGrp="1"/>
-          </p:cNvSpPr>
-          <p:nvPr>
             <p:ph type="ctrTitle"/>
           </p:nvPr>
         </p:nvSpPr>
@@ -5098,7 +4934,7 @@
 </p:sld>
 </file>
 
-<file path=ppt/slides/slide9.xml><?xml version="1.0" encoding="utf-8"?>
+<file path=ppt/slides/slide8.xml><?xml version="1.0" encoding="utf-8"?>
 <p:sld xmlns:a="http://schemas.openxmlformats.org/drawingml/2006/main" xmlns:r="http://schemas.openxmlformats.org/officeDocument/2006/relationships" xmlns:p="http://schemas.openxmlformats.org/presentationml/2006/main">
   <p:cSld>
     <p:spTree>
